--- a/Slide/PresentationSlide.pptx
+++ b/Slide/PresentationSlide.pptx
@@ -5,7 +5,7 @@
     <p:sldMasterId id="2147483665" r:id="rId1"/>
   </p:sldMasterIdLst>
   <p:notesMasterIdLst>
-    <p:notesMasterId r:id="rId21"/>
+    <p:notesMasterId r:id="rId22"/>
   </p:notesMasterIdLst>
   <p:sldIdLst>
     <p:sldId id="256" r:id="rId2"/>
@@ -27,6 +27,7 @@
     <p:sldId id="271" r:id="rId18"/>
     <p:sldId id="272" r:id="rId19"/>
     <p:sldId id="273" r:id="rId20"/>
+    <p:sldId id="275" r:id="rId21"/>
   </p:sldIdLst>
   <p:sldSz cx="9144000" cy="6858000" type="screen4x3"/>
   <p:notesSz cx="6858000" cy="9144000"/>
@@ -7405,25 +7406,6 @@
           </a:p>
         </p:txBody>
       </p:sp>
-      <p:sp>
-        <p:nvSpPr>
-          <p:cNvPr id="3" name="副标题 2"/>
-          <p:cNvSpPr>
-            <a:spLocks noGrp="1"/>
-          </p:cNvSpPr>
-          <p:nvPr>
-            <p:ph type="subTitle" idx="1"/>
-          </p:nvPr>
-        </p:nvSpPr>
-        <p:spPr/>
-        <p:txBody>
-          <a:bodyPr/>
-          <a:lstStyle/>
-          <a:p>
-            <a:endParaRPr lang="zh-CN" altLang="en-US"/>
-          </a:p>
-        </p:txBody>
-      </p:sp>
       <p:graphicFrame>
         <p:nvGraphicFramePr>
           <p:cNvPr id="4" name="表格 3">
@@ -7839,7 +7821,9 @@
         </p:nvSpPr>
         <p:spPr/>
         <p:txBody>
-          <a:bodyPr/>
+          <a:bodyPr>
+            <a:normAutofit fontScale="90000"/>
+          </a:bodyPr>
           <a:lstStyle/>
           <a:p>
             <a:r>
@@ -7859,8 +7843,13 @@
             </a:r>
             <a:r>
               <a:rPr lang="zh-CN" altLang="en-US" dirty="0"/>
-              <a:t>形编码块划分</a:t>
-            </a:r>
+              <a:t>形编码</a:t>
+            </a:r>
+            <a:r>
+              <a:rPr lang="zh-CN" altLang="en-US"/>
+              <a:t>块划分 建议流程图 但是想动图</a:t>
+            </a:r>
+            <a:endParaRPr lang="zh-CN" altLang="en-US" dirty="0"/>
           </a:p>
         </p:txBody>
       </p:sp>
@@ -8790,13 +8779,14 @@
           <a:lstStyle/>
           <a:p>
             <a:r>
-              <a:rPr lang="en-US" altLang="zh-CN" dirty="0"/>
+              <a:rPr lang="en-US" altLang="zh-CN"/>
               <a:t>Demo </a:t>
             </a:r>
             <a:r>
-              <a:rPr lang="zh-CN" altLang="en-US" dirty="0"/>
-              <a:t>演示</a:t>
-            </a:r>
+              <a:rPr lang="zh-CN" altLang="en-US"/>
+              <a:t>演示 不要说开源</a:t>
+            </a:r>
+            <a:endParaRPr lang="zh-CN" altLang="en-US" dirty="0"/>
           </a:p>
         </p:txBody>
       </p:sp>
@@ -9133,6 +9123,139 @@
 </p:sld>
 </file>
 
+<file path=ppt/slides/slide20.xml><?xml version="1.0" encoding="utf-8"?>
+<p:sld xmlns:a="http://schemas.openxmlformats.org/drawingml/2006/main" xmlns:r="http://schemas.openxmlformats.org/officeDocument/2006/relationships" xmlns:p="http://schemas.openxmlformats.org/presentationml/2006/main">
+  <p:cSld>
+    <p:spTree>
+      <p:nvGrpSpPr>
+        <p:cNvPr id="1" name=""/>
+        <p:cNvGrpSpPr/>
+        <p:nvPr/>
+      </p:nvGrpSpPr>
+      <p:grpSpPr>
+        <a:xfrm>
+          <a:off x="0" y="0"/>
+          <a:ext cx="0" cy="0"/>
+          <a:chOff x="0" y="0"/>
+          <a:chExt cx="0" cy="0"/>
+        </a:xfrm>
+      </p:grpSpPr>
+      <p:sp>
+        <p:nvSpPr>
+          <p:cNvPr id="2" name="标题 1">
+            <a:extLst>
+              <a:ext uri="{FF2B5EF4-FFF2-40B4-BE49-F238E27FC236}">
+                <a16:creationId xmlns:a16="http://schemas.microsoft.com/office/drawing/2014/main" id="{19ACC41B-67BA-4F6F-ACB8-8252CEC574E1}"/>
+              </a:ext>
+            </a:extLst>
+          </p:cNvPr>
+          <p:cNvSpPr>
+            <a:spLocks noGrp="1"/>
+          </p:cNvSpPr>
+          <p:nvPr>
+            <p:ph type="title"/>
+          </p:nvPr>
+        </p:nvSpPr>
+        <p:spPr/>
+        <p:txBody>
+          <a:bodyPr/>
+          <a:lstStyle/>
+          <a:p>
+            <a:r>
+              <a:rPr lang="zh-CN" altLang="en-US"/>
+              <a:t>发表的学术论文</a:t>
+            </a:r>
+          </a:p>
+        </p:txBody>
+      </p:sp>
+      <p:sp>
+        <p:nvSpPr>
+          <p:cNvPr id="3" name="内容占位符 2">
+            <a:extLst>
+              <a:ext uri="{FF2B5EF4-FFF2-40B4-BE49-F238E27FC236}">
+                <a16:creationId xmlns:a16="http://schemas.microsoft.com/office/drawing/2014/main" id="{81E04953-D00E-448B-9884-0CDFF2A6681B}"/>
+              </a:ext>
+            </a:extLst>
+          </p:cNvPr>
+          <p:cNvSpPr>
+            <a:spLocks noGrp="1"/>
+          </p:cNvSpPr>
+          <p:nvPr>
+            <p:ph idx="1"/>
+          </p:nvPr>
+        </p:nvSpPr>
+        <p:spPr/>
+        <p:txBody>
+          <a:bodyPr/>
+          <a:lstStyle/>
+          <a:p>
+            <a:r>
+              <a:rPr lang="zh-CN" altLang="en-US"/>
+              <a:t>应用于</a:t>
+            </a:r>
+            <a:r>
+              <a:rPr lang="en-US" altLang="zh-CN"/>
+              <a:t>H.26X</a:t>
+            </a:r>
+            <a:r>
+              <a:rPr lang="zh-CN" altLang="en-US"/>
+              <a:t>的通用无损帧内编码优化算法</a:t>
+            </a:r>
+            <a:r>
+              <a:rPr lang="en-US" altLang="zh-CN"/>
+              <a:t>. </a:t>
+            </a:r>
+            <a:r>
+              <a:rPr lang="zh-CN" altLang="en-US"/>
+              <a:t>哈尔滨工业大学学报</a:t>
+            </a:r>
+            <a:r>
+              <a:rPr lang="en-US" altLang="zh-CN"/>
+              <a:t>, 2021, 53(8). (</a:t>
+            </a:r>
+            <a:r>
+              <a:rPr lang="zh-CN" altLang="en-US"/>
+              <a:t>中文 </a:t>
+            </a:r>
+            <a:r>
+              <a:rPr lang="en-US" altLang="zh-CN"/>
+              <a:t>EI </a:t>
+            </a:r>
+            <a:r>
+              <a:rPr lang="zh-CN" altLang="en-US"/>
+              <a:t>期刊</a:t>
+            </a:r>
+            <a:r>
+              <a:rPr lang="en-US" altLang="zh-CN"/>
+              <a:t>, </a:t>
+            </a:r>
+            <a:r>
+              <a:rPr lang="zh-CN" altLang="en-US"/>
+              <a:t>已录用</a:t>
+            </a:r>
+            <a:r>
+              <a:rPr lang="en-US" altLang="zh-CN"/>
+              <a:t>)</a:t>
+            </a:r>
+          </a:p>
+          <a:p>
+            <a:endParaRPr lang="zh-CN" altLang="en-US"/>
+          </a:p>
+        </p:txBody>
+      </p:sp>
+    </p:spTree>
+    <p:extLst>
+      <p:ext uri="{BB962C8B-B14F-4D97-AF65-F5344CB8AC3E}">
+        <p14:creationId xmlns:p14="http://schemas.microsoft.com/office/powerpoint/2010/main" val="2808565380"/>
+      </p:ext>
+    </p:extLst>
+  </p:cSld>
+  <p:clrMapOvr>
+    <a:masterClrMapping/>
+  </p:clrMapOvr>
+</p:sld>
+</file>
+
 <file path=ppt/slides/slide3.xml><?xml version="1.0" encoding="utf-8"?>
 <p:sld xmlns:a="http://schemas.openxmlformats.org/drawingml/2006/main" xmlns:r="http://schemas.openxmlformats.org/officeDocument/2006/relationships" xmlns:p="http://schemas.openxmlformats.org/presentationml/2006/main">
   <p:cSld>
@@ -9272,7 +9395,7 @@
 </file>
 
 <file path=ppt/slides/slide4.xml><?xml version="1.0" encoding="utf-8"?>
-<p:sld xmlns:a="http://schemas.openxmlformats.org/drawingml/2006/main" xmlns:r="http://schemas.openxmlformats.org/officeDocument/2006/relationships" xmlns:p="http://schemas.openxmlformats.org/presentationml/2006/main" show="0">
+<p:sld xmlns:a="http://schemas.openxmlformats.org/drawingml/2006/main" xmlns:r="http://schemas.openxmlformats.org/officeDocument/2006/relationships" xmlns:p="http://schemas.openxmlformats.org/presentationml/2006/main">
   <p:cSld>
     <p:spTree>
       <p:nvGrpSpPr>
@@ -9743,7 +9866,9 @@
         </p:nvSpPr>
         <p:spPr/>
         <p:txBody>
-          <a:bodyPr/>
+          <a:bodyPr>
+            <a:normAutofit/>
+          </a:bodyPr>
           <a:lstStyle/>
           <a:p>
             <a:r>
@@ -9763,8 +9888,13 @@
             </a:r>
             <a:r>
               <a:rPr lang="zh-CN" altLang="en-US" dirty="0"/>
-              <a:t>形迭代预测</a:t>
-            </a:r>
+              <a:t>形</a:t>
+            </a:r>
+            <a:r>
+              <a:rPr lang="zh-CN" altLang="en-US"/>
+              <a:t>迭代预测 多加数学式子</a:t>
+            </a:r>
+            <a:endParaRPr lang="zh-CN" altLang="en-US" dirty="0"/>
           </a:p>
         </p:txBody>
       </p:sp>

--- a/Slide/PresentationSlide.pptx
+++ b/Slide/PresentationSlide.pptx
@@ -216,7 +216,7 @@
           <a:p>
             <a:fld id="{AF249842-7A1A-46F8-813D-C7EC07D870A3}" type="datetimeFigureOut">
               <a:rPr lang="zh-CN" altLang="en-US" smtClean="0"/>
-              <a:t>2021/5/17</a:t>
+              <a:t>2021/5/18</a:t>
             </a:fld>
             <a:endParaRPr lang="zh-CN" altLang="en-US"/>
           </a:p>
@@ -916,6 +916,101 @@
 </p:notes>
 </file>
 
+<file path=ppt/notesSlides/notesSlide13.xml><?xml version="1.0" encoding="utf-8"?>
+<p:notes xmlns:a="http://schemas.openxmlformats.org/drawingml/2006/main" xmlns:r="http://schemas.openxmlformats.org/officeDocument/2006/relationships" xmlns:p="http://schemas.openxmlformats.org/presentationml/2006/main">
+  <p:cSld>
+    <p:spTree>
+      <p:nvGrpSpPr>
+        <p:cNvPr id="1" name=""/>
+        <p:cNvGrpSpPr/>
+        <p:nvPr/>
+      </p:nvGrpSpPr>
+      <p:grpSpPr>
+        <a:xfrm>
+          <a:off x="0" y="0"/>
+          <a:ext cx="0" cy="0"/>
+          <a:chOff x="0" y="0"/>
+          <a:chExt cx="0" cy="0"/>
+        </a:xfrm>
+      </p:grpSpPr>
+      <p:sp>
+        <p:nvSpPr>
+          <p:cNvPr id="2" name="幻灯片图像占位符 1"/>
+          <p:cNvSpPr>
+            <a:spLocks noGrp="1" noRot="1" noChangeAspect="1"/>
+          </p:cNvSpPr>
+          <p:nvPr>
+            <p:ph type="sldImg"/>
+          </p:nvPr>
+        </p:nvSpPr>
+        <p:spPr/>
+      </p:sp>
+      <p:sp>
+        <p:nvSpPr>
+          <p:cNvPr id="3" name="备注占位符 2"/>
+          <p:cNvSpPr>
+            <a:spLocks noGrp="1"/>
+          </p:cNvSpPr>
+          <p:nvPr>
+            <p:ph type="body" idx="1"/>
+          </p:nvPr>
+        </p:nvSpPr>
+        <p:spPr/>
+        <p:txBody>
+          <a:bodyPr/>
+          <a:lstStyle/>
+          <a:p>
+            <a:r>
+              <a:rPr lang="zh-CN" altLang="en-US"/>
+              <a:t>相当于我之前介绍的第</a:t>
+            </a:r>
+            <a:r>
+              <a:rPr lang="en-US" altLang="zh-CN"/>
+              <a:t>4</a:t>
+            </a:r>
+            <a:r>
+              <a:rPr lang="zh-CN" altLang="en-US"/>
+              <a:t>个算法</a:t>
+            </a:r>
+          </a:p>
+        </p:txBody>
+      </p:sp>
+      <p:sp>
+        <p:nvSpPr>
+          <p:cNvPr id="4" name="灯片编号占位符 3"/>
+          <p:cNvSpPr>
+            <a:spLocks noGrp="1"/>
+          </p:cNvSpPr>
+          <p:nvPr>
+            <p:ph type="sldNum" sz="quarter" idx="5"/>
+          </p:nvPr>
+        </p:nvSpPr>
+        <p:spPr/>
+        <p:txBody>
+          <a:bodyPr/>
+          <a:lstStyle/>
+          <a:p>
+            <a:fld id="{D7251282-760C-49C3-BE3E-D8529FADD89F}" type="slidenum">
+              <a:rPr lang="zh-CN" altLang="en-US" smtClean="0"/>
+              <a:t>20</a:t>
+            </a:fld>
+            <a:endParaRPr lang="zh-CN" altLang="en-US"/>
+          </a:p>
+        </p:txBody>
+      </p:sp>
+    </p:spTree>
+    <p:extLst>
+      <p:ext uri="{BB962C8B-B14F-4D97-AF65-F5344CB8AC3E}">
+        <p14:creationId xmlns:p14="http://schemas.microsoft.com/office/powerpoint/2010/main" val="2760580875"/>
+      </p:ext>
+    </p:extLst>
+  </p:cSld>
+  <p:clrMapOvr>
+    <a:masterClrMapping/>
+  </p:clrMapOvr>
+</p:notes>
+</file>
+
 <file path=ppt/notesSlides/notesSlide2.xml><?xml version="1.0" encoding="utf-8"?>
 <p:notes xmlns:a="http://schemas.openxmlformats.org/drawingml/2006/main" xmlns:r="http://schemas.openxmlformats.org/officeDocument/2006/relationships" xmlns:p="http://schemas.openxmlformats.org/presentationml/2006/main">
   <p:cSld>
@@ -960,6 +1055,36 @@
           <a:bodyPr/>
           <a:lstStyle/>
           <a:p>
+            <a:r>
+              <a:rPr lang="zh-CN" altLang="en-US"/>
+              <a:t>我们也可以从国内外的研究现状看到，无损帧内编码还是有比较多人在进行研究的</a:t>
+            </a:r>
+            <a:endParaRPr lang="en-US" altLang="zh-CN"/>
+          </a:p>
+          <a:p>
+            <a:endParaRPr lang="en-US" altLang="zh-CN"/>
+          </a:p>
+          <a:p>
+            <a:r>
+              <a:rPr lang="zh-CN" altLang="en-US"/>
+              <a:t>图像领域的顶刊 </a:t>
+            </a:r>
+            <a:r>
+              <a:rPr lang="en-US" altLang="zh-CN"/>
+              <a:t>TIP </a:t>
+            </a:r>
+            <a:r>
+              <a:rPr lang="zh-CN" altLang="en-US"/>
+              <a:t>和 </a:t>
+            </a:r>
+            <a:r>
+              <a:rPr lang="en-US" altLang="zh-CN"/>
+              <a:t>VT </a:t>
+            </a:r>
+            <a:r>
+              <a:rPr lang="zh-CN" altLang="en-US"/>
+              <a:t>里面</a:t>
+            </a:r>
             <a:endParaRPr lang="zh-CN" altLang="en-US" dirty="0"/>
           </a:p>
         </p:txBody>
@@ -1777,7 +1902,7 @@
             <a:fld id="{B61BEF0D-F0BB-DE4B-95CE-6DB70DBA9567}" type="datetimeFigureOut">
               <a:rPr lang="en-US" smtClean="0"/>
               <a:pPr/>
-              <a:t>5/17/2021</a:t>
+              <a:t>5/18/2021</a:t>
             </a:fld>
             <a:endParaRPr lang="en-US" dirty="0"/>
           </a:p>
@@ -2111,7 +2236,7 @@
             <a:fld id="{B61BEF0D-F0BB-DE4B-95CE-6DB70DBA9567}" type="datetimeFigureOut">
               <a:rPr lang="en-US" smtClean="0"/>
               <a:pPr/>
-              <a:t>5/17/2021</a:t>
+              <a:t>5/18/2021</a:t>
             </a:fld>
             <a:endParaRPr lang="en-US" dirty="0"/>
           </a:p>
@@ -2512,7 +2637,7 @@
             <a:fld id="{B61BEF0D-F0BB-DE4B-95CE-6DB70DBA9567}" type="datetimeFigureOut">
               <a:rPr lang="en-US" smtClean="0"/>
               <a:pPr/>
-              <a:t>5/17/2021</a:t>
+              <a:t>5/18/2021</a:t>
             </a:fld>
             <a:endParaRPr lang="en-US" dirty="0"/>
           </a:p>
@@ -2848,7 +2973,7 @@
             <a:fld id="{B61BEF0D-F0BB-DE4B-95CE-6DB70DBA9567}" type="datetimeFigureOut">
               <a:rPr lang="en-US" smtClean="0"/>
               <a:pPr/>
-              <a:t>5/17/2021</a:t>
+              <a:t>5/18/2021</a:t>
             </a:fld>
             <a:endParaRPr lang="en-US" dirty="0"/>
           </a:p>
@@ -3168,7 +3293,7 @@
             <a:fld id="{B61BEF0D-F0BB-DE4B-95CE-6DB70DBA9567}" type="datetimeFigureOut">
               <a:rPr lang="en-US" smtClean="0"/>
               <a:pPr/>
-              <a:t>5/17/2021</a:t>
+              <a:t>5/18/2021</a:t>
             </a:fld>
             <a:endParaRPr lang="en-US" dirty="0"/>
           </a:p>
@@ -3564,7 +3689,7 @@
             <a:fld id="{B61BEF0D-F0BB-DE4B-95CE-6DB70DBA9567}" type="datetimeFigureOut">
               <a:rPr lang="en-US" smtClean="0"/>
               <a:pPr/>
-              <a:t>5/17/2021</a:t>
+              <a:t>5/18/2021</a:t>
             </a:fld>
             <a:endParaRPr lang="en-US" dirty="0"/>
           </a:p>
@@ -3821,7 +3946,7 @@
             <a:fld id="{B61BEF0D-F0BB-DE4B-95CE-6DB70DBA9567}" type="datetimeFigureOut">
               <a:rPr lang="en-US" smtClean="0"/>
               <a:pPr/>
-              <a:t>5/17/2021</a:t>
+              <a:t>5/18/2021</a:t>
             </a:fld>
             <a:endParaRPr lang="en-US" dirty="0"/>
           </a:p>
@@ -4083,7 +4208,7 @@
             <a:fld id="{B61BEF0D-F0BB-DE4B-95CE-6DB70DBA9567}" type="datetimeFigureOut">
               <a:rPr lang="en-US" smtClean="0"/>
               <a:pPr/>
-              <a:t>5/17/2021</a:t>
+              <a:t>5/18/2021</a:t>
             </a:fld>
             <a:endParaRPr lang="en-US" dirty="0"/>
           </a:p>
@@ -4345,7 +4470,7 @@
             <a:fld id="{B61BEF0D-F0BB-DE4B-95CE-6DB70DBA9567}" type="datetimeFigureOut">
               <a:rPr lang="en-US" smtClean="0"/>
               <a:pPr/>
-              <a:t>5/17/2021</a:t>
+              <a:t>5/18/2021</a:t>
             </a:fld>
             <a:endParaRPr lang="en-US" dirty="0"/>
           </a:p>
@@ -4674,7 +4799,7 @@
             <a:fld id="{B61BEF0D-F0BB-DE4B-95CE-6DB70DBA9567}" type="datetimeFigureOut">
               <a:rPr lang="en-US" smtClean="0"/>
               <a:pPr/>
-              <a:t>5/17/2021</a:t>
+              <a:t>5/18/2021</a:t>
             </a:fld>
             <a:endParaRPr lang="en-US" dirty="0"/>
           </a:p>
@@ -4997,7 +5122,7 @@
             <a:fld id="{B61BEF0D-F0BB-DE4B-95CE-6DB70DBA9567}" type="datetimeFigureOut">
               <a:rPr lang="en-US" smtClean="0"/>
               <a:pPr/>
-              <a:t>5/17/2021</a:t>
+              <a:t>5/18/2021</a:t>
             </a:fld>
             <a:endParaRPr lang="en-US" dirty="0"/>
           </a:p>
@@ -5454,7 +5579,7 @@
             <a:fld id="{B61BEF0D-F0BB-DE4B-95CE-6DB70DBA9567}" type="datetimeFigureOut">
               <a:rPr lang="en-US" smtClean="0"/>
               <a:pPr/>
-              <a:t>5/17/2021</a:t>
+              <a:t>5/18/2021</a:t>
             </a:fld>
             <a:endParaRPr lang="en-US" dirty="0"/>
           </a:p>
@@ -5664,7 +5789,7 @@
             <a:fld id="{B61BEF0D-F0BB-DE4B-95CE-6DB70DBA9567}" type="datetimeFigureOut">
               <a:rPr lang="en-US" smtClean="0"/>
               <a:pPr/>
-              <a:t>5/17/2021</a:t>
+              <a:t>5/18/2021</a:t>
             </a:fld>
             <a:endParaRPr lang="en-US" dirty="0"/>
           </a:p>
@@ -5841,7 +5966,7 @@
             <a:fld id="{B61BEF0D-F0BB-DE4B-95CE-6DB70DBA9567}" type="datetimeFigureOut">
               <a:rPr lang="en-US" smtClean="0"/>
               <a:pPr/>
-              <a:t>5/17/2021</a:t>
+              <a:t>5/18/2021</a:t>
             </a:fld>
             <a:endParaRPr lang="en-US" dirty="0"/>
           </a:p>
@@ -6174,7 +6299,7 @@
             <a:fld id="{B61BEF0D-F0BB-DE4B-95CE-6DB70DBA9567}" type="datetimeFigureOut">
               <a:rPr lang="en-US" smtClean="0"/>
               <a:pPr/>
-              <a:t>5/17/2021</a:t>
+              <a:t>5/18/2021</a:t>
             </a:fld>
             <a:endParaRPr lang="en-US" dirty="0"/>
           </a:p>
@@ -6519,7 +6644,7 @@
             <a:fld id="{B61BEF0D-F0BB-DE4B-95CE-6DB70DBA9567}" type="datetimeFigureOut">
               <a:rPr lang="en-US" smtClean="0"/>
               <a:pPr/>
-              <a:t>5/17/2021</a:t>
+              <a:t>5/18/2021</a:t>
             </a:fld>
             <a:endParaRPr lang="en-US" dirty="0"/>
           </a:p>
@@ -6858,7 +6983,7 @@
             <a:fld id="{B61BEF0D-F0BB-DE4B-95CE-6DB70DBA9567}" type="datetimeFigureOut">
               <a:rPr lang="en-US" smtClean="0"/>
               <a:pPr/>
-              <a:t>5/17/2021</a:t>
+              <a:t>5/18/2021</a:t>
             </a:fld>
             <a:endParaRPr lang="en-US" dirty="0"/>
           </a:p>
